--- a/figures/new/keywords.pptx
+++ b/figures/new/keywords.pptx
@@ -3085,7 +3085,7 @@
         </p:nvSpPr>
         <p:spPr>
           <a:xfrm>
-            <a:off x="4650239" y="1916617"/>
+            <a:off x="4680719" y="1916617"/>
             <a:ext cx="2017337" cy="369332"/>
           </a:xfrm>
           <a:prstGeom prst="rect">
